--- a/slides/Using Windows Runtime and SDK to build Metro style apps.pptx
+++ b/slides/Using Windows Runtime and SDK to build Metro style apps.pptx
@@ -3214,7 +3214,7 @@
                 <a:latin typeface="Segoe UI" pitchFamily="34" charset="0"/>
               </a:rPr>
               <a:pPr/>
-              <a:t>5/30/2012</a:t>
+              <a:t>6/5/2012</a:t>
             </a:fld>
             <a:endParaRPr lang="en-US" dirty="0">
               <a:solidFill>
@@ -3464,7 +3464,7 @@
             <a:fld id="{7C3FBCD4-166E-446F-AF18-7D4A0CF9AEF6}" type="datetimeFigureOut">
               <a:rPr lang="en-US" smtClean="0"/>
               <a:pPr/>
-              <a:t>5/30/2012</a:t>
+              <a:t>6/5/2012</a:t>
             </a:fld>
             <a:endParaRPr lang="en-US" dirty="0"/>
           </a:p>
@@ -3913,7 +3913,7 @@
             <a:fld id="{81331B57-0BE5-4F82-AA58-76F53EFF3ADA}" type="datetime8">
               <a:rPr lang="en-US" smtClean="0"/>
               <a:pPr/>
-              <a:t>5/30/2012 7:52 PM</a:t>
+              <a:t>6/5/2012 8:12 AM</a:t>
             </a:fld>
             <a:endParaRPr lang="en-US" dirty="0"/>
           </a:p>
@@ -4113,7 +4113,7 @@
             <a:fld id="{81331B57-0BE5-4F82-AA58-76F53EFF3ADA}" type="datetime8">
               <a:rPr lang="en-US" smtClean="0"/>
               <a:pPr/>
-              <a:t>5/30/2012 7:52 PM</a:t>
+              <a:t>6/5/2012 8:12 AM</a:t>
             </a:fld>
             <a:endParaRPr lang="en-US" dirty="0"/>
           </a:p>
@@ -4313,7 +4313,7 @@
             <a:fld id="{81331B57-0BE5-4F82-AA58-76F53EFF3ADA}" type="datetime8">
               <a:rPr lang="en-US" smtClean="0"/>
               <a:pPr/>
-              <a:t>5/30/2012 7:52 PM</a:t>
+              <a:t>6/5/2012 8:12 AM</a:t>
             </a:fld>
             <a:endParaRPr lang="en-US"/>
           </a:p>
@@ -4985,7 +4985,7 @@
             <a:fld id="{81331B57-0BE5-4F82-AA58-76F53EFF3ADA}" type="datetime8">
               <a:rPr lang="en-US" smtClean="0"/>
               <a:pPr/>
-              <a:t>5/30/2012 7:52 PM</a:t>
+              <a:t>6/5/2012 8:12 AM</a:t>
             </a:fld>
             <a:endParaRPr lang="en-US"/>
           </a:p>
@@ -20855,14 +20855,6 @@
               </a:rPr>
               <a:t>No Programmer Left Behind</a:t>
             </a:r>
-            <a:endParaRPr lang="en-US" sz="4800" dirty="0" smtClean="0">
-              <a:solidFill>
-                <a:schemeClr val="tx1">
-                  <a:alpha val="99000"/>
-                </a:schemeClr>
-              </a:solidFill>
-              <a:latin typeface="Segoe Script" pitchFamily="34" charset="0"/>
-            </a:endParaRPr>
           </a:p>
         </p:txBody>
       </p:sp>
@@ -22394,6 +22386,176 @@
       </p:grpSpPr>
       <p:sp>
         <p:nvSpPr>
+          <p:cNvPr id="17" name="Rectangle 16"/>
+          <p:cNvSpPr/>
+          <p:nvPr/>
+        </p:nvSpPr>
+        <p:spPr bwMode="auto">
+          <a:xfrm>
+            <a:off x="507868" y="2628920"/>
+            <a:ext cx="11173090" cy="640080"/>
+          </a:xfrm>
+          <a:prstGeom prst="rect">
+            <a:avLst/>
+          </a:prstGeom>
+          <a:solidFill>
+            <a:schemeClr val="accent1"/>
+          </a:solidFill>
+          <a:ln w="38100">
+            <a:noFill/>
+            <a:miter lim="800000"/>
+            <a:headEnd type="none" w="med" len="med"/>
+            <a:tailEnd type="none" w="med" len="med"/>
+          </a:ln>
+          <a:effectLst/>
+          <a:scene3d>
+            <a:camera prst="orthographicFront" fov="0">
+              <a:rot lat="0" lon="0" rev="0"/>
+            </a:camera>
+            <a:lightRig rig="soft" dir="tl">
+              <a:rot lat="0" lon="0" rev="20000000"/>
+            </a:lightRig>
+          </a:scene3d>
+          <a:sp3d prstMaterial="matte"/>
+        </p:spPr>
+        <p:style>
+          <a:lnRef idx="0">
+            <a:schemeClr val="accent2"/>
+          </a:lnRef>
+          <a:fillRef idx="3">
+            <a:schemeClr val="accent2"/>
+          </a:fillRef>
+          <a:effectRef idx="3">
+            <a:schemeClr val="accent2"/>
+          </a:effectRef>
+          <a:fontRef idx="minor">
+            <a:schemeClr val="lt1"/>
+          </a:fontRef>
+        </p:style>
+        <p:txBody>
+          <a:bodyPr vert="horz" wrap="square" lIns="91436" tIns="137160" rIns="91436" bIns="137160" numCol="1" rtlCol="0" anchor="t" anchorCtr="0" compatLnSpc="1">
+            <a:prstTxWarp prst="textNoShape">
+              <a:avLst/>
+            </a:prstTxWarp>
+            <a:spAutoFit/>
+          </a:bodyPr>
+          <a:lstStyle/>
+          <a:p>
+            <a:pPr marL="460375" lvl="0" indent="-460375">
+              <a:lnSpc>
+                <a:spcPct val="90000"/>
+              </a:lnSpc>
+              <a:spcBef>
+                <a:spcPct val="20000"/>
+              </a:spcBef>
+              <a:buSzPct val="90000"/>
+              <a:buBlip>
+                <a:blip r:embed="rId3"/>
+              </a:buBlip>
+            </a:pPr>
+            <a:endParaRPr lang="en-US" sz="2400" dirty="0">
+              <a:gradFill>
+                <a:gsLst>
+                  <a:gs pos="0">
+                    <a:schemeClr val="tx1"/>
+                  </a:gs>
+                  <a:gs pos="100000">
+                    <a:schemeClr val="tx1"/>
+                  </a:gs>
+                </a:gsLst>
+                <a:lin ang="5400000" scaled="0"/>
+              </a:gradFill>
+            </a:endParaRPr>
+          </a:p>
+        </p:txBody>
+      </p:sp>
+      <p:sp>
+        <p:nvSpPr>
+          <p:cNvPr id="16" name="Rectangle 15"/>
+          <p:cNvSpPr/>
+          <p:nvPr/>
+        </p:nvSpPr>
+        <p:spPr bwMode="auto">
+          <a:xfrm>
+            <a:off x="515814" y="1988840"/>
+            <a:ext cx="11165143" cy="640080"/>
+          </a:xfrm>
+          <a:prstGeom prst="rect">
+            <a:avLst/>
+          </a:prstGeom>
+          <a:solidFill>
+            <a:schemeClr val="accent1"/>
+          </a:solidFill>
+          <a:ln w="38100">
+            <a:noFill/>
+            <a:miter lim="800000"/>
+            <a:headEnd type="none" w="med" len="med"/>
+            <a:tailEnd type="none" w="med" len="med"/>
+          </a:ln>
+          <a:effectLst/>
+          <a:scene3d>
+            <a:camera prst="orthographicFront" fov="0">
+              <a:rot lat="0" lon="0" rev="0"/>
+            </a:camera>
+            <a:lightRig rig="soft" dir="tl">
+              <a:rot lat="0" lon="0" rev="20000000"/>
+            </a:lightRig>
+          </a:scene3d>
+          <a:sp3d prstMaterial="matte"/>
+        </p:spPr>
+        <p:style>
+          <a:lnRef idx="0">
+            <a:schemeClr val="accent2"/>
+          </a:lnRef>
+          <a:fillRef idx="3">
+            <a:schemeClr val="accent2"/>
+          </a:fillRef>
+          <a:effectRef idx="3">
+            <a:schemeClr val="accent2"/>
+          </a:effectRef>
+          <a:fontRef idx="minor">
+            <a:schemeClr val="lt1"/>
+          </a:fontRef>
+        </p:style>
+        <p:txBody>
+          <a:bodyPr vert="horz" wrap="square" lIns="91436" tIns="137160" rIns="91436" bIns="137160" numCol="1" rtlCol="0" anchor="t" anchorCtr="0" compatLnSpc="1">
+            <a:prstTxWarp prst="textNoShape">
+              <a:avLst/>
+            </a:prstTxWarp>
+            <a:spAutoFit/>
+          </a:bodyPr>
+          <a:lstStyle/>
+          <a:p>
+            <a:pPr marL="460375" lvl="0" indent="-460375">
+              <a:lnSpc>
+                <a:spcPct val="90000"/>
+              </a:lnSpc>
+              <a:spcBef>
+                <a:spcPct val="20000"/>
+              </a:spcBef>
+              <a:buSzPct val="90000"/>
+              <a:buBlip>
+                <a:blip r:embed="rId3"/>
+              </a:buBlip>
+            </a:pPr>
+            <a:endParaRPr lang="en-US" sz="2400" dirty="0">
+              <a:gradFill>
+                <a:gsLst>
+                  <a:gs pos="0">
+                    <a:schemeClr val="tx1"/>
+                  </a:gs>
+                  <a:gs pos="100000">
+                    <a:schemeClr val="tx1"/>
+                  </a:gs>
+                </a:gsLst>
+                <a:lin ang="5400000" scaled="0"/>
+              </a:gradFill>
+            </a:endParaRPr>
+          </a:p>
+        </p:txBody>
+      </p:sp>
+      <p:sp>
+        <p:nvSpPr>
           <p:cNvPr id="2" name="Title 1"/>
           <p:cNvSpPr>
             <a:spLocks noGrp="1"/>
@@ -22501,342 +22663,6 @@
       </p:sp>
       <p:sp>
         <p:nvSpPr>
-          <p:cNvPr id="4" name="Rectangle 3"/>
-          <p:cNvSpPr/>
-          <p:nvPr/>
-        </p:nvSpPr>
-        <p:spPr bwMode="auto">
-          <a:xfrm>
-            <a:off x="507868" y="2213193"/>
-            <a:ext cx="11173090" cy="640080"/>
-          </a:xfrm>
-          <a:prstGeom prst="rect">
-            <a:avLst/>
-          </a:prstGeom>
-          <a:solidFill>
-            <a:schemeClr val="accent4"/>
-          </a:solidFill>
-          <a:ln w="38100">
-            <a:noFill/>
-            <a:headEnd type="none" w="med" len="med"/>
-            <a:tailEnd type="none" w="med" len="med"/>
-          </a:ln>
-          <a:effectLst/>
-          <a:scene3d>
-            <a:camera prst="orthographicFront" fov="0">
-              <a:rot lat="0" lon="0" rev="0"/>
-            </a:camera>
-            <a:lightRig rig="soft" dir="tl">
-              <a:rot lat="0" lon="0" rev="20000000"/>
-            </a:lightRig>
-          </a:scene3d>
-          <a:sp3d prstMaterial="matte"/>
-        </p:spPr>
-        <p:style>
-          <a:lnRef idx="0">
-            <a:schemeClr val="accent2"/>
-          </a:lnRef>
-          <a:fillRef idx="3">
-            <a:schemeClr val="accent2"/>
-          </a:fillRef>
-          <a:effectRef idx="3">
-            <a:schemeClr val="accent2"/>
-          </a:effectRef>
-          <a:fontRef idx="minor">
-            <a:schemeClr val="lt1"/>
-          </a:fontRef>
-        </p:style>
-        <p:txBody>
-          <a:bodyPr vert="horz" wrap="square" lIns="91436" tIns="137160" rIns="91436" bIns="137160" numCol="1" rtlCol="0" anchor="t" anchorCtr="0" compatLnSpc="1">
-            <a:prstTxWarp prst="textNoShape">
-              <a:avLst/>
-            </a:prstTxWarp>
-            <a:spAutoFit/>
-          </a:bodyPr>
-          <a:lstStyle/>
-          <a:p>
-            <a:pPr marL="460375" lvl="0" indent="-460375">
-              <a:lnSpc>
-                <a:spcPct val="90000"/>
-              </a:lnSpc>
-              <a:spcBef>
-                <a:spcPct val="20000"/>
-              </a:spcBef>
-              <a:buSzPct val="90000"/>
-              <a:buBlip>
-                <a:blip r:embed="rId4"/>
-              </a:buBlip>
-            </a:pPr>
-            <a:endParaRPr lang="en-US" sz="2400" dirty="0">
-              <a:gradFill>
-                <a:gsLst>
-                  <a:gs pos="0">
-                    <a:schemeClr val="tx1"/>
-                  </a:gs>
-                  <a:gs pos="100000">
-                    <a:schemeClr val="tx1"/>
-                  </a:gs>
-                </a:gsLst>
-                <a:lin ang="5400000" scaled="0"/>
-              </a:gradFill>
-            </a:endParaRPr>
-          </a:p>
-        </p:txBody>
-      </p:sp>
-      <p:sp>
-        <p:nvSpPr>
-          <p:cNvPr id="5" name="Rectangle 4"/>
-          <p:cNvSpPr/>
-          <p:nvPr/>
-        </p:nvSpPr>
-        <p:spPr bwMode="auto">
-          <a:xfrm>
-            <a:off x="507868" y="3045912"/>
-            <a:ext cx="11173090" cy="640080"/>
-          </a:xfrm>
-          <a:prstGeom prst="rect">
-            <a:avLst/>
-          </a:prstGeom>
-          <a:solidFill>
-            <a:schemeClr val="accent3"/>
-          </a:solidFill>
-          <a:ln w="38100">
-            <a:noFill/>
-            <a:headEnd type="none" w="med" len="med"/>
-            <a:tailEnd type="none" w="med" len="med"/>
-          </a:ln>
-          <a:effectLst/>
-          <a:scene3d>
-            <a:camera prst="orthographicFront" fov="0">
-              <a:rot lat="0" lon="0" rev="0"/>
-            </a:camera>
-            <a:lightRig rig="soft" dir="tl">
-              <a:rot lat="0" lon="0" rev="20000000"/>
-            </a:lightRig>
-          </a:scene3d>
-          <a:sp3d prstMaterial="matte"/>
-        </p:spPr>
-        <p:style>
-          <a:lnRef idx="0">
-            <a:schemeClr val="accent2"/>
-          </a:lnRef>
-          <a:fillRef idx="3">
-            <a:schemeClr val="accent2"/>
-          </a:fillRef>
-          <a:effectRef idx="3">
-            <a:schemeClr val="accent2"/>
-          </a:effectRef>
-          <a:fontRef idx="minor">
-            <a:schemeClr val="lt1"/>
-          </a:fontRef>
-        </p:style>
-        <p:txBody>
-          <a:bodyPr vert="horz" wrap="square" lIns="91436" tIns="137160" rIns="91436" bIns="137160" numCol="1" rtlCol="0" anchor="t" anchorCtr="0" compatLnSpc="1">
-            <a:prstTxWarp prst="textNoShape">
-              <a:avLst/>
-            </a:prstTxWarp>
-            <a:spAutoFit/>
-          </a:bodyPr>
-          <a:lstStyle/>
-          <a:p>
-            <a:pPr marL="460375" lvl="0" indent="-460375">
-              <a:lnSpc>
-                <a:spcPct val="90000"/>
-              </a:lnSpc>
-              <a:spcBef>
-                <a:spcPct val="20000"/>
-              </a:spcBef>
-              <a:buSzPct val="90000"/>
-              <a:buBlip>
-                <a:blip r:embed="rId4"/>
-              </a:buBlip>
-            </a:pPr>
-            <a:endParaRPr lang="en-US" sz="2400" dirty="0">
-              <a:gradFill>
-                <a:gsLst>
-                  <a:gs pos="0">
-                    <a:schemeClr val="tx1"/>
-                  </a:gs>
-                  <a:gs pos="100000">
-                    <a:schemeClr val="tx1"/>
-                  </a:gs>
-                </a:gsLst>
-                <a:lin ang="5400000" scaled="0"/>
-              </a:gradFill>
-            </a:endParaRPr>
-          </a:p>
-        </p:txBody>
-      </p:sp>
-      <p:sp>
-        <p:nvSpPr>
-          <p:cNvPr id="6" name="Rectangle 5"/>
-          <p:cNvSpPr/>
-          <p:nvPr/>
-        </p:nvSpPr>
-        <p:spPr bwMode="auto">
-          <a:xfrm>
-            <a:off x="507868" y="3878631"/>
-            <a:ext cx="11173090" cy="640080"/>
-          </a:xfrm>
-          <a:prstGeom prst="rect">
-            <a:avLst/>
-          </a:prstGeom>
-          <a:solidFill>
-            <a:schemeClr val="accent6"/>
-          </a:solidFill>
-          <a:ln w="38100">
-            <a:noFill/>
-            <a:headEnd type="none" w="med" len="med"/>
-            <a:tailEnd type="none" w="med" len="med"/>
-          </a:ln>
-          <a:effectLst/>
-          <a:scene3d>
-            <a:camera prst="orthographicFront" fov="0">
-              <a:rot lat="0" lon="0" rev="0"/>
-            </a:camera>
-            <a:lightRig rig="soft" dir="tl">
-              <a:rot lat="0" lon="0" rev="20000000"/>
-            </a:lightRig>
-          </a:scene3d>
-          <a:sp3d prstMaterial="matte"/>
-        </p:spPr>
-        <p:style>
-          <a:lnRef idx="0">
-            <a:schemeClr val="accent2"/>
-          </a:lnRef>
-          <a:fillRef idx="3">
-            <a:schemeClr val="accent2"/>
-          </a:fillRef>
-          <a:effectRef idx="3">
-            <a:schemeClr val="accent2"/>
-          </a:effectRef>
-          <a:fontRef idx="minor">
-            <a:schemeClr val="lt1"/>
-          </a:fontRef>
-        </p:style>
-        <p:txBody>
-          <a:bodyPr vert="horz" wrap="square" lIns="91436" tIns="137160" rIns="91436" bIns="137160" numCol="1" rtlCol="0" anchor="t" anchorCtr="0" compatLnSpc="1">
-            <a:prstTxWarp prst="textNoShape">
-              <a:avLst/>
-            </a:prstTxWarp>
-            <a:spAutoFit/>
-          </a:bodyPr>
-          <a:lstStyle/>
-          <a:p>
-            <a:pPr marL="460375" lvl="0" indent="-460375">
-              <a:lnSpc>
-                <a:spcPct val="90000"/>
-              </a:lnSpc>
-              <a:spcBef>
-                <a:spcPct val="20000"/>
-              </a:spcBef>
-              <a:buSzPct val="90000"/>
-              <a:buBlip>
-                <a:blip r:embed="rId4"/>
-              </a:buBlip>
-            </a:pPr>
-            <a:endParaRPr lang="en-US" sz="2400" dirty="0">
-              <a:gradFill>
-                <a:gsLst>
-                  <a:gs pos="0">
-                    <a:schemeClr val="tx1"/>
-                  </a:gs>
-                  <a:gs pos="100000">
-                    <a:schemeClr val="tx1"/>
-                  </a:gs>
-                </a:gsLst>
-                <a:lin ang="5400000" scaled="0"/>
-              </a:gradFill>
-            </a:endParaRPr>
-          </a:p>
-        </p:txBody>
-      </p:sp>
-      <p:sp>
-        <p:nvSpPr>
-          <p:cNvPr id="7" name="Rectangle 6"/>
-          <p:cNvSpPr/>
-          <p:nvPr/>
-        </p:nvSpPr>
-        <p:spPr bwMode="auto">
-          <a:xfrm>
-            <a:off x="507868" y="4711351"/>
-            <a:ext cx="11173090" cy="640080"/>
-          </a:xfrm>
-          <a:prstGeom prst="rect">
-            <a:avLst/>
-          </a:prstGeom>
-          <a:solidFill>
-            <a:schemeClr val="accent5"/>
-          </a:solidFill>
-          <a:ln w="38100">
-            <a:noFill/>
-            <a:headEnd type="none" w="med" len="med"/>
-            <a:tailEnd type="none" w="med" len="med"/>
-          </a:ln>
-          <a:effectLst/>
-          <a:scene3d>
-            <a:camera prst="orthographicFront" fov="0">
-              <a:rot lat="0" lon="0" rev="0"/>
-            </a:camera>
-            <a:lightRig rig="soft" dir="tl">
-              <a:rot lat="0" lon="0" rev="20000000"/>
-            </a:lightRig>
-          </a:scene3d>
-          <a:sp3d prstMaterial="matte"/>
-        </p:spPr>
-        <p:style>
-          <a:lnRef idx="0">
-            <a:schemeClr val="accent2"/>
-          </a:lnRef>
-          <a:fillRef idx="3">
-            <a:schemeClr val="accent2"/>
-          </a:fillRef>
-          <a:effectRef idx="3">
-            <a:schemeClr val="accent2"/>
-          </a:effectRef>
-          <a:fontRef idx="minor">
-            <a:schemeClr val="lt1"/>
-          </a:fontRef>
-        </p:style>
-        <p:txBody>
-          <a:bodyPr vert="horz" wrap="square" lIns="91436" tIns="137160" rIns="91436" bIns="137160" numCol="1" rtlCol="0" anchor="t" anchorCtr="0" compatLnSpc="1">
-            <a:prstTxWarp prst="textNoShape">
-              <a:avLst/>
-            </a:prstTxWarp>
-            <a:spAutoFit/>
-          </a:bodyPr>
-          <a:lstStyle/>
-          <a:p>
-            <a:pPr marL="460375" lvl="0" indent="-460375">
-              <a:lnSpc>
-                <a:spcPct val="90000"/>
-              </a:lnSpc>
-              <a:spcBef>
-                <a:spcPct val="20000"/>
-              </a:spcBef>
-              <a:buSzPct val="90000"/>
-              <a:buBlip>
-                <a:blip r:embed="rId4"/>
-              </a:buBlip>
-            </a:pPr>
-            <a:endParaRPr lang="en-US" sz="2400" dirty="0">
-              <a:gradFill>
-                <a:gsLst>
-                  <a:gs pos="0">
-                    <a:schemeClr val="tx1"/>
-                  </a:gs>
-                  <a:gs pos="100000">
-                    <a:schemeClr val="tx1"/>
-                  </a:gs>
-                </a:gsLst>
-                <a:lin ang="5400000" scaled="0"/>
-              </a:gradFill>
-            </a:endParaRPr>
-          </a:p>
-        </p:txBody>
-      </p:sp>
-      <p:sp>
-        <p:nvSpPr>
           <p:cNvPr id="8" name="Rectangle 7"/>
           <p:cNvSpPr/>
           <p:nvPr/>
@@ -22844,7 +22670,7 @@
         <p:spPr>
           <a:xfrm>
             <a:off x="667870" y="1483348"/>
-            <a:ext cx="11013088" cy="424732"/>
+            <a:ext cx="11013088" cy="1778949"/>
           </a:xfrm>
           <a:prstGeom prst="rect">
             <a:avLst/>
@@ -22869,40 +22695,18 @@
               </a:buBlip>
             </a:pPr>
             <a:r>
-              <a:rPr lang="en-US" sz="2400" dirty="0">
+              <a:rPr lang="en-US" sz="2400" dirty="0" smtClean="0">
                 <a:solidFill>
                   <a:schemeClr val="tx1">
                     <a:alpha val="99000"/>
                   </a:schemeClr>
                 </a:solidFill>
               </a:rPr>
-              <a:t>Breakout Sessions (session codes and titles)</a:t>
+              <a:t>Breakout Sessions</a:t>
             </a:r>
           </a:p>
-        </p:txBody>
-      </p:sp>
-      <p:sp>
-        <p:nvSpPr>
-          <p:cNvPr id="9" name="Rectangle 8"/>
-          <p:cNvSpPr/>
-          <p:nvPr/>
-        </p:nvSpPr>
-        <p:spPr>
-          <a:xfrm>
-            <a:off x="667870" y="2320867"/>
-            <a:ext cx="11013088" cy="424732"/>
-          </a:xfrm>
-          <a:prstGeom prst="rect">
-            <a:avLst/>
-          </a:prstGeom>
-        </p:spPr>
-        <p:txBody>
-          <a:bodyPr wrap="square">
-            <a:spAutoFit/>
-          </a:bodyPr>
-          <a:lstStyle/>
           <a:p>
-            <a:pPr marL="403225" indent="-403225">
+            <a:pPr marL="860407" lvl="1" indent="-403225">
               <a:lnSpc>
                 <a:spcPct val="90000"/>
               </a:lnSpc>
@@ -22915,40 +22719,29 @@
               </a:buBlip>
             </a:pPr>
             <a:r>
-              <a:rPr lang="en-US" sz="2400" dirty="0">
+              <a:rPr lang="en-US" sz="2000" dirty="0" smtClean="0">
                 <a:solidFill>
                   <a:schemeClr val="tx1">
                     <a:alpha val="99000"/>
                   </a:schemeClr>
                 </a:solidFill>
               </a:rPr>
-              <a:t>Hands-on Labs (session codes and titles)</a:t>
+              <a:t>DEV352: </a:t>
             </a:r>
+            <a:r>
+              <a:rPr lang="en-US" sz="2000" dirty="0"/>
+              <a:t>What Web Developers Need to Know When Building Metro style Apps </a:t>
+            </a:r>
+            <a:endParaRPr lang="en-US" sz="2000" dirty="0" smtClean="0">
+              <a:solidFill>
+                <a:schemeClr val="tx1">
+                  <a:alpha val="99000"/>
+                </a:schemeClr>
+              </a:solidFill>
+            </a:endParaRPr>
           </a:p>
-        </p:txBody>
-      </p:sp>
-      <p:sp>
-        <p:nvSpPr>
-          <p:cNvPr id="10" name="Rectangle 9"/>
-          <p:cNvSpPr/>
-          <p:nvPr/>
-        </p:nvSpPr>
-        <p:spPr>
-          <a:xfrm>
-            <a:off x="667870" y="3153586"/>
-            <a:ext cx="11013088" cy="424732"/>
-          </a:xfrm>
-          <a:prstGeom prst="rect">
-            <a:avLst/>
-          </a:prstGeom>
-        </p:spPr>
-        <p:txBody>
-          <a:bodyPr wrap="square">
-            <a:spAutoFit/>
-          </a:bodyPr>
-          <a:lstStyle/>
           <a:p>
-            <a:pPr marL="403225" indent="-403225">
+            <a:pPr marL="860407" lvl="1" indent="-403225">
               <a:lnSpc>
                 <a:spcPct val="90000"/>
               </a:lnSpc>
@@ -22961,40 +22754,18 @@
               </a:buBlip>
             </a:pPr>
             <a:r>
-              <a:rPr lang="en-US" sz="2400" dirty="0">
+              <a:rPr lang="en-US" sz="2000" dirty="0" smtClean="0">
                 <a:solidFill>
                   <a:schemeClr val="tx1">
                     <a:alpha val="99000"/>
                   </a:schemeClr>
                 </a:solidFill>
               </a:rPr>
-              <a:t>Product Demo Stations (demo station title and location)</a:t>
+              <a:t>DEV353: Building Metro style Apps with XAML</a:t>
             </a:r>
           </a:p>
-        </p:txBody>
-      </p:sp>
-      <p:sp>
-        <p:nvSpPr>
-          <p:cNvPr id="11" name="Rectangle 10"/>
-          <p:cNvSpPr/>
-          <p:nvPr/>
-        </p:nvSpPr>
-        <p:spPr>
-          <a:xfrm>
-            <a:off x="667870" y="3986305"/>
-            <a:ext cx="11013088" cy="424732"/>
-          </a:xfrm>
-          <a:prstGeom prst="rect">
-            <a:avLst/>
-          </a:prstGeom>
-        </p:spPr>
-        <p:txBody>
-          <a:bodyPr wrap="square">
-            <a:spAutoFit/>
-          </a:bodyPr>
-          <a:lstStyle/>
           <a:p>
-            <a:pPr marL="403225" indent="-403225">
+            <a:pPr marL="860407" lvl="1" indent="-403225">
               <a:lnSpc>
                 <a:spcPct val="90000"/>
               </a:lnSpc>
@@ -23007,40 +22778,23 @@
               </a:buBlip>
             </a:pPr>
             <a:r>
-              <a:rPr lang="en-US" sz="2400" dirty="0">
+              <a:rPr lang="en-US" sz="2000" dirty="0" smtClean="0">
                 <a:solidFill>
                   <a:schemeClr val="tx1">
                     <a:alpha val="99000"/>
                   </a:schemeClr>
                 </a:solidFill>
               </a:rPr>
-              <a:t>Related Certification Exam </a:t>
+              <a:t>DEV354: </a:t>
             </a:r>
+            <a:r>
+              <a:rPr lang="en-US" sz="2000" dirty="0"/>
+              <a:t>Building Windows 8 Metro style UIs </a:t>
+            </a:r>
+            <a:endParaRPr lang="en-US" sz="2000" dirty="0" smtClean="0"/>
           </a:p>
-        </p:txBody>
-      </p:sp>
-      <p:sp>
-        <p:nvSpPr>
-          <p:cNvPr id="12" name="Rectangle 11"/>
-          <p:cNvSpPr/>
-          <p:nvPr/>
-        </p:nvSpPr>
-        <p:spPr>
-          <a:xfrm>
-            <a:off x="667870" y="4819025"/>
-            <a:ext cx="11013088" cy="424732"/>
-          </a:xfrm>
-          <a:prstGeom prst="rect">
-            <a:avLst/>
-          </a:prstGeom>
-        </p:spPr>
-        <p:txBody>
-          <a:bodyPr wrap="square">
-            <a:spAutoFit/>
-          </a:bodyPr>
-          <a:lstStyle/>
           <a:p>
-            <a:pPr marL="403225" indent="-403225">
+            <a:pPr marL="860407" lvl="1" indent="-403225">
               <a:lnSpc>
                 <a:spcPct val="90000"/>
               </a:lnSpc>
@@ -23053,15 +22807,26 @@
               </a:buBlip>
             </a:pPr>
             <a:r>
-              <a:rPr lang="en-US" sz="2400" dirty="0">
+              <a:rPr lang="en-US" sz="2000" dirty="0" smtClean="0">
                 <a:solidFill>
                   <a:schemeClr val="tx1">
                     <a:alpha val="99000"/>
                   </a:schemeClr>
                 </a:solidFill>
               </a:rPr>
-              <a:t>Find Me Later At…</a:t>
+              <a:t>DEV366: </a:t>
             </a:r>
+            <a:r>
+              <a:rPr lang="en-US" sz="2000" dirty="0"/>
+              <a:t>Building Metro style Apps with HTML and JavaScript </a:t>
+            </a:r>
+            <a:endParaRPr lang="en-US" sz="2000" dirty="0">
+              <a:solidFill>
+                <a:schemeClr val="tx1">
+                  <a:alpha val="99000"/>
+                </a:schemeClr>
+              </a:solidFill>
+            </a:endParaRPr>
           </a:p>
         </p:txBody>
       </p:sp>
@@ -23127,217 +22892,6 @@
           </a:p>
         </p:txBody>
       </p:sp>
-      <p:sp>
-        <p:nvSpPr>
-          <p:cNvPr id="14" name="Rectangle 13"/>
-          <p:cNvSpPr/>
-          <p:nvPr/>
-        </p:nvSpPr>
-        <p:spPr bwMode="auto">
-          <a:xfrm>
-            <a:off x="9218612" y="116030"/>
-            <a:ext cx="2854754" cy="3847207"/>
-          </a:xfrm>
-          <a:prstGeom prst="rect">
-            <a:avLst/>
-          </a:prstGeom>
-          <a:solidFill>
-            <a:schemeClr val="accent5"/>
-          </a:solidFill>
-          <a:ln>
-            <a:noFill/>
-            <a:headEnd type="none" w="med" len="med"/>
-            <a:tailEnd type="none" w="med" len="med"/>
-          </a:ln>
-          <a:effectLst/>
-          <a:scene3d>
-            <a:camera prst="orthographicFront" fov="0">
-              <a:rot lat="0" lon="0" rev="0"/>
-            </a:camera>
-            <a:lightRig rig="soft" dir="tl">
-              <a:rot lat="0" lon="0" rev="20000000"/>
-            </a:lightRig>
-          </a:scene3d>
-          <a:sp3d prstMaterial="matte"/>
-        </p:spPr>
-        <p:style>
-          <a:lnRef idx="0">
-            <a:schemeClr val="accent2"/>
-          </a:lnRef>
-          <a:fillRef idx="3">
-            <a:schemeClr val="accent2"/>
-          </a:fillRef>
-          <a:effectRef idx="3">
-            <a:schemeClr val="accent2"/>
-          </a:effectRef>
-          <a:fontRef idx="minor">
-            <a:schemeClr val="lt1"/>
-          </a:fontRef>
-        </p:style>
-        <p:txBody>
-          <a:bodyPr vert="horz" wrap="square" lIns="91436" tIns="137160" rIns="91436" bIns="137160" numCol="1" rtlCol="0" anchor="t" anchorCtr="0" compatLnSpc="1">
-            <a:prstTxWarp prst="textNoShape">
-              <a:avLst/>
-            </a:prstTxWarp>
-            <a:spAutoFit/>
-          </a:bodyPr>
-          <a:lstStyle/>
-          <a:p>
-            <a:pPr defTabSz="914099" fontAlgn="base">
-              <a:spcBef>
-                <a:spcPct val="0"/>
-              </a:spcBef>
-              <a:spcAft>
-                <a:spcPct val="0"/>
-              </a:spcAft>
-            </a:pPr>
-            <a:r>
-              <a:rPr lang="en-US" sz="2800" b="1" dirty="0" smtClean="0">
-                <a:solidFill>
-                  <a:schemeClr val="tx1">
-                    <a:alpha val="99000"/>
-                  </a:schemeClr>
-                </a:solidFill>
-              </a:rPr>
-              <a:t>Required Slide</a:t>
-            </a:r>
-          </a:p>
-          <a:p>
-            <a:pPr defTabSz="914099" fontAlgn="base">
-              <a:spcBef>
-                <a:spcPct val="0"/>
-              </a:spcBef>
-              <a:spcAft>
-                <a:spcPct val="0"/>
-              </a:spcAft>
-            </a:pPr>
-            <a:r>
-              <a:rPr lang="en-US" sz="1200" dirty="0" smtClean="0">
-                <a:solidFill>
-                  <a:schemeClr val="tx1">
-                    <a:alpha val="99000"/>
-                  </a:schemeClr>
-                </a:solidFill>
-              </a:rPr>
-              <a:t>*delete this box when your slide is finalized</a:t>
-            </a:r>
-          </a:p>
-          <a:p>
-            <a:pPr defTabSz="914099" fontAlgn="base">
-              <a:spcBef>
-                <a:spcPct val="0"/>
-              </a:spcBef>
-              <a:spcAft>
-                <a:spcPct val="0"/>
-              </a:spcAft>
-            </a:pPr>
-            <a:endParaRPr lang="en-US" dirty="0" smtClean="0">
-              <a:solidFill>
-                <a:schemeClr val="tx1">
-                  <a:alpha val="99000"/>
-                </a:schemeClr>
-              </a:solidFill>
-            </a:endParaRPr>
-          </a:p>
-          <a:p>
-            <a:pPr defTabSz="914099" fontAlgn="base">
-              <a:spcBef>
-                <a:spcPct val="0"/>
-              </a:spcBef>
-              <a:spcAft>
-                <a:spcPct val="0"/>
-              </a:spcAft>
-            </a:pPr>
-            <a:r>
-              <a:rPr lang="en-US" b="1" dirty="0">
-                <a:solidFill>
-                  <a:schemeClr val="tx1">
-                    <a:alpha val="99000"/>
-                  </a:schemeClr>
-                </a:solidFill>
-              </a:rPr>
-              <a:t>Speakers, </a:t>
-            </a:r>
-            <a:r>
-              <a:rPr lang="en-US" dirty="0">
-                <a:solidFill>
-                  <a:schemeClr val="tx1">
-                    <a:alpha val="99000"/>
-                  </a:schemeClr>
-                </a:solidFill>
-              </a:rPr>
-              <a:t>please list the Breakout Sessions, </a:t>
-            </a:r>
-            <a:r>
-              <a:rPr lang="en-US" dirty="0" smtClean="0">
-                <a:solidFill>
-                  <a:schemeClr val="tx1">
-                    <a:alpha val="99000"/>
-                  </a:schemeClr>
-                </a:solidFill>
-              </a:rPr>
-              <a:t>Labs</a:t>
-            </a:r>
-            <a:r>
-              <a:rPr lang="en-US" dirty="0">
-                <a:solidFill>
-                  <a:schemeClr val="tx1">
-                    <a:alpha val="99000"/>
-                  </a:schemeClr>
-                </a:solidFill>
-              </a:rPr>
-              <a:t>, Demo Stations and Certification </a:t>
-            </a:r>
-            <a:r>
-              <a:rPr lang="en-US" dirty="0" smtClean="0">
-                <a:solidFill>
-                  <a:schemeClr val="tx1">
-                    <a:alpha val="99000"/>
-                  </a:schemeClr>
-                </a:solidFill>
-              </a:rPr>
-              <a:t>Exams </a:t>
-            </a:r>
-            <a:r>
-              <a:rPr lang="en-US" dirty="0">
-                <a:solidFill>
-                  <a:schemeClr val="tx1">
-                    <a:alpha val="99000"/>
-                  </a:schemeClr>
-                </a:solidFill>
-              </a:rPr>
-              <a:t>that relate to your session. Also indicate when they can find you staffing in the TLC</a:t>
-            </a:r>
-            <a:r>
-              <a:rPr lang="en-US" dirty="0" smtClean="0">
-                <a:solidFill>
-                  <a:schemeClr val="tx1">
-                    <a:alpha val="99000"/>
-                  </a:schemeClr>
-                </a:solidFill>
-              </a:rPr>
-              <a:t>.</a:t>
-            </a:r>
-          </a:p>
-          <a:p>
-            <a:pPr defTabSz="914099" fontAlgn="base">
-              <a:spcBef>
-                <a:spcPct val="0"/>
-              </a:spcBef>
-              <a:spcAft>
-                <a:spcPct val="0"/>
-              </a:spcAft>
-            </a:pPr>
-            <a:endParaRPr lang="en-US" dirty="0" smtClean="0">
-              <a:solidFill>
-                <a:schemeClr val="tx1">
-                  <a:alpha val="99000"/>
-                </a:schemeClr>
-              </a:solidFill>
-            </a:endParaRPr>
-          </a:p>
-        </p:txBody>
-      </p:sp>
       <p:pic>
         <p:nvPicPr>
           <p:cNvPr id="15" name="Picture 2" descr="C:\Users\Jordan\Desktop\TechEd_2012\TechEd-logo.png"/>
@@ -23347,7 +22901,7 @@
           <p:nvPr/>
         </p:nvPicPr>
         <p:blipFill>
-          <a:blip r:embed="rId5">
+          <a:blip r:embed="rId4">
             <a:extLst>
               <a:ext uri="{28A0092B-C50C-407E-A947-70E740481C1C}">
                 <a14:useLocalDpi xmlns:a14="http://schemas.microsoft.com/office/drawing/2010/main" val="0"/>
@@ -23598,7 +23152,7 @@
                             </p:stCondLst>
                             <p:childTnLst>
                               <p:par>
-                                <p:cTn id="16" presetID="2" presetClass="entr" presetSubtype="8" decel="100000" fill="hold" grpId="0" nodeType="afterEffect">
+                                <p:cTn id="16" presetID="1" presetClass="exit" presetSubtype="0" fill="hold" grpId="1" nodeType="afterEffect">
                                   <p:stCondLst>
                                     <p:cond delay="0"/>
                                   </p:stCondLst>
@@ -23611,7 +23165,34 @@
                                           </p:stCondLst>
                                         </p:cTn>
                                         <p:tgtEl>
-                                          <p:spTgt spid="4"/>
+                                          <p:spTgt spid="13"/>
+                                        </p:tgtEl>
+                                        <p:attrNameLst>
+                                          <p:attrName>style.visibility</p:attrName>
+                                        </p:attrNameLst>
+                                      </p:cBhvr>
+                                      <p:to>
+                                        <p:strVal val="hidden"/>
+                                      </p:to>
+                                    </p:set>
+                                  </p:childTnLst>
+                                </p:cTn>
+                              </p:par>
+                              <p:par>
+                                <p:cTn id="18" presetID="2" presetClass="entr" presetSubtype="8" decel="100000" fill="hold" grpId="0" nodeType="withEffect">
+                                  <p:stCondLst>
+                                    <p:cond delay="0"/>
+                                  </p:stCondLst>
+                                  <p:childTnLst>
+                                    <p:set>
+                                      <p:cBhvr>
+                                        <p:cTn id="19" dur="1" fill="hold">
+                                          <p:stCondLst>
+                                            <p:cond delay="0"/>
+                                          </p:stCondLst>
+                                        </p:cTn>
+                                        <p:tgtEl>
+                                          <p:spTgt spid="16"/>
                                         </p:tgtEl>
                                         <p:attrNameLst>
                                           <p:attrName>style.visibility</p:attrName>
@@ -23623,9 +23204,9 @@
                                     </p:set>
                                     <p:anim calcmode="lin" valueType="num">
                                       <p:cBhvr additive="base">
-                                        <p:cTn id="18" dur="1000" fill="hold"/>
+                                        <p:cTn id="20" dur="1000" fill="hold"/>
                                         <p:tgtEl>
-                                          <p:spTgt spid="4"/>
+                                          <p:spTgt spid="16"/>
                                         </p:tgtEl>
                                         <p:attrNameLst>
                                           <p:attrName>ppt_x</p:attrName>
@@ -23646,9 +23227,9 @@
                                     </p:anim>
                                     <p:anim calcmode="lin" valueType="num">
                                       <p:cBhvr additive="base">
-                                        <p:cTn id="19" dur="1000" fill="hold"/>
+                                        <p:cTn id="21" dur="1000" fill="hold"/>
                                         <p:tgtEl>
-                                          <p:spTgt spid="4"/>
+                                          <p:spTgt spid="16"/>
                                         </p:tgtEl>
                                         <p:attrNameLst>
                                           <p:attrName>ppt_y</p:attrName>
@@ -23671,20 +23252,20 @@
                                 </p:cTn>
                               </p:par>
                               <p:par>
-                                <p:cTn id="20" presetID="2" presetClass="entr" presetSubtype="8" decel="100000" fill="hold" grpId="0" nodeType="withEffect">
+                                <p:cTn id="22" presetID="2" presetClass="entr" presetSubtype="8" decel="100000" fill="hold" grpId="0" nodeType="withEffect">
                                   <p:stCondLst>
-                                    <p:cond delay="250"/>
+                                    <p:cond delay="0"/>
                                   </p:stCondLst>
                                   <p:childTnLst>
                                     <p:set>
                                       <p:cBhvr>
-                                        <p:cTn id="21" dur="1" fill="hold">
+                                        <p:cTn id="23" dur="1" fill="hold">
                                           <p:stCondLst>
                                             <p:cond delay="0"/>
                                           </p:stCondLst>
                                         </p:cTn>
                                         <p:tgtEl>
-                                          <p:spTgt spid="9"/>
+                                          <p:spTgt spid="17"/>
                                         </p:tgtEl>
                                         <p:attrNameLst>
                                           <p:attrName>style.visibility</p:attrName>
@@ -23696,9 +23277,9 @@
                                     </p:set>
                                     <p:anim calcmode="lin" valueType="num">
                                       <p:cBhvr additive="base">
-                                        <p:cTn id="22" dur="1000" fill="hold"/>
+                                        <p:cTn id="24" dur="1000" fill="hold"/>
                                         <p:tgtEl>
-                                          <p:spTgt spid="9"/>
+                                          <p:spTgt spid="17"/>
                                         </p:tgtEl>
                                         <p:attrNameLst>
                                           <p:attrName>ppt_x</p:attrName>
@@ -23719,9 +23300,9 @@
                                     </p:anim>
                                     <p:anim calcmode="lin" valueType="num">
                                       <p:cBhvr additive="base">
-                                        <p:cTn id="23" dur="1000" fill="hold"/>
+                                        <p:cTn id="25" dur="1000" fill="hold"/>
                                         <p:tgtEl>
-                                          <p:spTgt spid="9"/>
+                                          <p:spTgt spid="17"/>
                                         </p:tgtEl>
                                         <p:attrNameLst>
                                           <p:attrName>ppt_y</p:attrName>
@@ -23740,507 +23321,6 @@
                                         </p:tav>
                                       </p:tavLst>
                                     </p:anim>
-                                  </p:childTnLst>
-                                </p:cTn>
-                              </p:par>
-                            </p:childTnLst>
-                          </p:cTn>
-                        </p:par>
-                        <p:par>
-                          <p:cTn id="24" fill="hold">
-                            <p:stCondLst>
-                              <p:cond delay="2500"/>
-                            </p:stCondLst>
-                            <p:childTnLst>
-                              <p:par>
-                                <p:cTn id="25" presetID="2" presetClass="entr" presetSubtype="8" decel="100000" fill="hold" grpId="0" nodeType="afterEffect">
-                                  <p:stCondLst>
-                                    <p:cond delay="0"/>
-                                  </p:stCondLst>
-                                  <p:childTnLst>
-                                    <p:set>
-                                      <p:cBhvr>
-                                        <p:cTn id="26" dur="1" fill="hold">
-                                          <p:stCondLst>
-                                            <p:cond delay="0"/>
-                                          </p:stCondLst>
-                                        </p:cTn>
-                                        <p:tgtEl>
-                                          <p:spTgt spid="5"/>
-                                        </p:tgtEl>
-                                        <p:attrNameLst>
-                                          <p:attrName>style.visibility</p:attrName>
-                                        </p:attrNameLst>
-                                      </p:cBhvr>
-                                      <p:to>
-                                        <p:strVal val="visible"/>
-                                      </p:to>
-                                    </p:set>
-                                    <p:anim calcmode="lin" valueType="num">
-                                      <p:cBhvr additive="base">
-                                        <p:cTn id="27" dur="1000" fill="hold"/>
-                                        <p:tgtEl>
-                                          <p:spTgt spid="5"/>
-                                        </p:tgtEl>
-                                        <p:attrNameLst>
-                                          <p:attrName>ppt_x</p:attrName>
-                                        </p:attrNameLst>
-                                      </p:cBhvr>
-                                      <p:tavLst>
-                                        <p:tav tm="0">
-                                          <p:val>
-                                            <p:strVal val="0-#ppt_w/2"/>
-                                          </p:val>
-                                        </p:tav>
-                                        <p:tav tm="100000">
-                                          <p:val>
-                                            <p:strVal val="#ppt_x"/>
-                                          </p:val>
-                                        </p:tav>
-                                      </p:tavLst>
-                                    </p:anim>
-                                    <p:anim calcmode="lin" valueType="num">
-                                      <p:cBhvr additive="base">
-                                        <p:cTn id="28" dur="1000" fill="hold"/>
-                                        <p:tgtEl>
-                                          <p:spTgt spid="5"/>
-                                        </p:tgtEl>
-                                        <p:attrNameLst>
-                                          <p:attrName>ppt_y</p:attrName>
-                                        </p:attrNameLst>
-                                      </p:cBhvr>
-                                      <p:tavLst>
-                                        <p:tav tm="0">
-                                          <p:val>
-                                            <p:strVal val="#ppt_y"/>
-                                          </p:val>
-                                        </p:tav>
-                                        <p:tav tm="100000">
-                                          <p:val>
-                                            <p:strVal val="#ppt_y"/>
-                                          </p:val>
-                                        </p:tav>
-                                      </p:tavLst>
-                                    </p:anim>
-                                  </p:childTnLst>
-                                </p:cTn>
-                              </p:par>
-                              <p:par>
-                                <p:cTn id="29" presetID="2" presetClass="entr" presetSubtype="8" decel="100000" fill="hold" grpId="0" nodeType="withEffect">
-                                  <p:stCondLst>
-                                    <p:cond delay="250"/>
-                                  </p:stCondLst>
-                                  <p:childTnLst>
-                                    <p:set>
-                                      <p:cBhvr>
-                                        <p:cTn id="30" dur="1" fill="hold">
-                                          <p:stCondLst>
-                                            <p:cond delay="0"/>
-                                          </p:stCondLst>
-                                        </p:cTn>
-                                        <p:tgtEl>
-                                          <p:spTgt spid="10"/>
-                                        </p:tgtEl>
-                                        <p:attrNameLst>
-                                          <p:attrName>style.visibility</p:attrName>
-                                        </p:attrNameLst>
-                                      </p:cBhvr>
-                                      <p:to>
-                                        <p:strVal val="visible"/>
-                                      </p:to>
-                                    </p:set>
-                                    <p:anim calcmode="lin" valueType="num">
-                                      <p:cBhvr additive="base">
-                                        <p:cTn id="31" dur="1000" fill="hold"/>
-                                        <p:tgtEl>
-                                          <p:spTgt spid="10"/>
-                                        </p:tgtEl>
-                                        <p:attrNameLst>
-                                          <p:attrName>ppt_x</p:attrName>
-                                        </p:attrNameLst>
-                                      </p:cBhvr>
-                                      <p:tavLst>
-                                        <p:tav tm="0">
-                                          <p:val>
-                                            <p:strVal val="0-#ppt_w/2"/>
-                                          </p:val>
-                                        </p:tav>
-                                        <p:tav tm="100000">
-                                          <p:val>
-                                            <p:strVal val="#ppt_x"/>
-                                          </p:val>
-                                        </p:tav>
-                                      </p:tavLst>
-                                    </p:anim>
-                                    <p:anim calcmode="lin" valueType="num">
-                                      <p:cBhvr additive="base">
-                                        <p:cTn id="32" dur="1000" fill="hold"/>
-                                        <p:tgtEl>
-                                          <p:spTgt spid="10"/>
-                                        </p:tgtEl>
-                                        <p:attrNameLst>
-                                          <p:attrName>ppt_y</p:attrName>
-                                        </p:attrNameLst>
-                                      </p:cBhvr>
-                                      <p:tavLst>
-                                        <p:tav tm="0">
-                                          <p:val>
-                                            <p:strVal val="#ppt_y"/>
-                                          </p:val>
-                                        </p:tav>
-                                        <p:tav tm="100000">
-                                          <p:val>
-                                            <p:strVal val="#ppt_y"/>
-                                          </p:val>
-                                        </p:tav>
-                                      </p:tavLst>
-                                    </p:anim>
-                                  </p:childTnLst>
-                                </p:cTn>
-                              </p:par>
-                            </p:childTnLst>
-                          </p:cTn>
-                        </p:par>
-                        <p:par>
-                          <p:cTn id="33" fill="hold">
-                            <p:stCondLst>
-                              <p:cond delay="3750"/>
-                            </p:stCondLst>
-                            <p:childTnLst>
-                              <p:par>
-                                <p:cTn id="34" presetID="2" presetClass="entr" presetSubtype="8" decel="100000" fill="hold" grpId="0" nodeType="afterEffect">
-                                  <p:stCondLst>
-                                    <p:cond delay="0"/>
-                                  </p:stCondLst>
-                                  <p:childTnLst>
-                                    <p:set>
-                                      <p:cBhvr>
-                                        <p:cTn id="35" dur="1" fill="hold">
-                                          <p:stCondLst>
-                                            <p:cond delay="0"/>
-                                          </p:stCondLst>
-                                        </p:cTn>
-                                        <p:tgtEl>
-                                          <p:spTgt spid="6"/>
-                                        </p:tgtEl>
-                                        <p:attrNameLst>
-                                          <p:attrName>style.visibility</p:attrName>
-                                        </p:attrNameLst>
-                                      </p:cBhvr>
-                                      <p:to>
-                                        <p:strVal val="visible"/>
-                                      </p:to>
-                                    </p:set>
-                                    <p:anim calcmode="lin" valueType="num">
-                                      <p:cBhvr additive="base">
-                                        <p:cTn id="36" dur="1000" fill="hold"/>
-                                        <p:tgtEl>
-                                          <p:spTgt spid="6"/>
-                                        </p:tgtEl>
-                                        <p:attrNameLst>
-                                          <p:attrName>ppt_x</p:attrName>
-                                        </p:attrNameLst>
-                                      </p:cBhvr>
-                                      <p:tavLst>
-                                        <p:tav tm="0">
-                                          <p:val>
-                                            <p:strVal val="0-#ppt_w/2"/>
-                                          </p:val>
-                                        </p:tav>
-                                        <p:tav tm="100000">
-                                          <p:val>
-                                            <p:strVal val="#ppt_x"/>
-                                          </p:val>
-                                        </p:tav>
-                                      </p:tavLst>
-                                    </p:anim>
-                                    <p:anim calcmode="lin" valueType="num">
-                                      <p:cBhvr additive="base">
-                                        <p:cTn id="37" dur="1000" fill="hold"/>
-                                        <p:tgtEl>
-                                          <p:spTgt spid="6"/>
-                                        </p:tgtEl>
-                                        <p:attrNameLst>
-                                          <p:attrName>ppt_y</p:attrName>
-                                        </p:attrNameLst>
-                                      </p:cBhvr>
-                                      <p:tavLst>
-                                        <p:tav tm="0">
-                                          <p:val>
-                                            <p:strVal val="#ppt_y"/>
-                                          </p:val>
-                                        </p:tav>
-                                        <p:tav tm="100000">
-                                          <p:val>
-                                            <p:strVal val="#ppt_y"/>
-                                          </p:val>
-                                        </p:tav>
-                                      </p:tavLst>
-                                    </p:anim>
-                                  </p:childTnLst>
-                                </p:cTn>
-                              </p:par>
-                              <p:par>
-                                <p:cTn id="38" presetID="2" presetClass="entr" presetSubtype="8" decel="100000" fill="hold" grpId="0" nodeType="withEffect">
-                                  <p:stCondLst>
-                                    <p:cond delay="250"/>
-                                  </p:stCondLst>
-                                  <p:childTnLst>
-                                    <p:set>
-                                      <p:cBhvr>
-                                        <p:cTn id="39" dur="1" fill="hold">
-                                          <p:stCondLst>
-                                            <p:cond delay="0"/>
-                                          </p:stCondLst>
-                                        </p:cTn>
-                                        <p:tgtEl>
-                                          <p:spTgt spid="11"/>
-                                        </p:tgtEl>
-                                        <p:attrNameLst>
-                                          <p:attrName>style.visibility</p:attrName>
-                                        </p:attrNameLst>
-                                      </p:cBhvr>
-                                      <p:to>
-                                        <p:strVal val="visible"/>
-                                      </p:to>
-                                    </p:set>
-                                    <p:anim calcmode="lin" valueType="num">
-                                      <p:cBhvr additive="base">
-                                        <p:cTn id="40" dur="1000" fill="hold"/>
-                                        <p:tgtEl>
-                                          <p:spTgt spid="11"/>
-                                        </p:tgtEl>
-                                        <p:attrNameLst>
-                                          <p:attrName>ppt_x</p:attrName>
-                                        </p:attrNameLst>
-                                      </p:cBhvr>
-                                      <p:tavLst>
-                                        <p:tav tm="0">
-                                          <p:val>
-                                            <p:strVal val="0-#ppt_w/2"/>
-                                          </p:val>
-                                        </p:tav>
-                                        <p:tav tm="100000">
-                                          <p:val>
-                                            <p:strVal val="#ppt_x"/>
-                                          </p:val>
-                                        </p:tav>
-                                      </p:tavLst>
-                                    </p:anim>
-                                    <p:anim calcmode="lin" valueType="num">
-                                      <p:cBhvr additive="base">
-                                        <p:cTn id="41" dur="1000" fill="hold"/>
-                                        <p:tgtEl>
-                                          <p:spTgt spid="11"/>
-                                        </p:tgtEl>
-                                        <p:attrNameLst>
-                                          <p:attrName>ppt_y</p:attrName>
-                                        </p:attrNameLst>
-                                      </p:cBhvr>
-                                      <p:tavLst>
-                                        <p:tav tm="0">
-                                          <p:val>
-                                            <p:strVal val="#ppt_y"/>
-                                          </p:val>
-                                        </p:tav>
-                                        <p:tav tm="100000">
-                                          <p:val>
-                                            <p:strVal val="#ppt_y"/>
-                                          </p:val>
-                                        </p:tav>
-                                      </p:tavLst>
-                                    </p:anim>
-                                  </p:childTnLst>
-                                </p:cTn>
-                              </p:par>
-                            </p:childTnLst>
-                          </p:cTn>
-                        </p:par>
-                        <p:par>
-                          <p:cTn id="42" fill="hold">
-                            <p:stCondLst>
-                              <p:cond delay="5000"/>
-                            </p:stCondLst>
-                            <p:childTnLst>
-                              <p:par>
-                                <p:cTn id="43" presetID="2" presetClass="entr" presetSubtype="8" decel="100000" fill="hold" grpId="0" nodeType="afterEffect">
-                                  <p:stCondLst>
-                                    <p:cond delay="0"/>
-                                  </p:stCondLst>
-                                  <p:childTnLst>
-                                    <p:set>
-                                      <p:cBhvr>
-                                        <p:cTn id="44" dur="1" fill="hold">
-                                          <p:stCondLst>
-                                            <p:cond delay="0"/>
-                                          </p:stCondLst>
-                                        </p:cTn>
-                                        <p:tgtEl>
-                                          <p:spTgt spid="7"/>
-                                        </p:tgtEl>
-                                        <p:attrNameLst>
-                                          <p:attrName>style.visibility</p:attrName>
-                                        </p:attrNameLst>
-                                      </p:cBhvr>
-                                      <p:to>
-                                        <p:strVal val="visible"/>
-                                      </p:to>
-                                    </p:set>
-                                    <p:anim calcmode="lin" valueType="num">
-                                      <p:cBhvr additive="base">
-                                        <p:cTn id="45" dur="1000" fill="hold"/>
-                                        <p:tgtEl>
-                                          <p:spTgt spid="7"/>
-                                        </p:tgtEl>
-                                        <p:attrNameLst>
-                                          <p:attrName>ppt_x</p:attrName>
-                                        </p:attrNameLst>
-                                      </p:cBhvr>
-                                      <p:tavLst>
-                                        <p:tav tm="0">
-                                          <p:val>
-                                            <p:strVal val="0-#ppt_w/2"/>
-                                          </p:val>
-                                        </p:tav>
-                                        <p:tav tm="100000">
-                                          <p:val>
-                                            <p:strVal val="#ppt_x"/>
-                                          </p:val>
-                                        </p:tav>
-                                      </p:tavLst>
-                                    </p:anim>
-                                    <p:anim calcmode="lin" valueType="num">
-                                      <p:cBhvr additive="base">
-                                        <p:cTn id="46" dur="1000" fill="hold"/>
-                                        <p:tgtEl>
-                                          <p:spTgt spid="7"/>
-                                        </p:tgtEl>
-                                        <p:attrNameLst>
-                                          <p:attrName>ppt_y</p:attrName>
-                                        </p:attrNameLst>
-                                      </p:cBhvr>
-                                      <p:tavLst>
-                                        <p:tav tm="0">
-                                          <p:val>
-                                            <p:strVal val="#ppt_y"/>
-                                          </p:val>
-                                        </p:tav>
-                                        <p:tav tm="100000">
-                                          <p:val>
-                                            <p:strVal val="#ppt_y"/>
-                                          </p:val>
-                                        </p:tav>
-                                      </p:tavLst>
-                                    </p:anim>
-                                  </p:childTnLst>
-                                </p:cTn>
-                              </p:par>
-                              <p:par>
-                                <p:cTn id="47" presetID="2" presetClass="entr" presetSubtype="8" decel="100000" fill="hold" grpId="0" nodeType="withEffect">
-                                  <p:stCondLst>
-                                    <p:cond delay="250"/>
-                                  </p:stCondLst>
-                                  <p:childTnLst>
-                                    <p:set>
-                                      <p:cBhvr>
-                                        <p:cTn id="48" dur="1" fill="hold">
-                                          <p:stCondLst>
-                                            <p:cond delay="0"/>
-                                          </p:stCondLst>
-                                        </p:cTn>
-                                        <p:tgtEl>
-                                          <p:spTgt spid="12"/>
-                                        </p:tgtEl>
-                                        <p:attrNameLst>
-                                          <p:attrName>style.visibility</p:attrName>
-                                        </p:attrNameLst>
-                                      </p:cBhvr>
-                                      <p:to>
-                                        <p:strVal val="visible"/>
-                                      </p:to>
-                                    </p:set>
-                                    <p:anim calcmode="lin" valueType="num">
-                                      <p:cBhvr additive="base">
-                                        <p:cTn id="49" dur="1000" fill="hold"/>
-                                        <p:tgtEl>
-                                          <p:spTgt spid="12"/>
-                                        </p:tgtEl>
-                                        <p:attrNameLst>
-                                          <p:attrName>ppt_x</p:attrName>
-                                        </p:attrNameLst>
-                                      </p:cBhvr>
-                                      <p:tavLst>
-                                        <p:tav tm="0">
-                                          <p:val>
-                                            <p:strVal val="0-#ppt_w/2"/>
-                                          </p:val>
-                                        </p:tav>
-                                        <p:tav tm="100000">
-                                          <p:val>
-                                            <p:strVal val="#ppt_x"/>
-                                          </p:val>
-                                        </p:tav>
-                                      </p:tavLst>
-                                    </p:anim>
-                                    <p:anim calcmode="lin" valueType="num">
-                                      <p:cBhvr additive="base">
-                                        <p:cTn id="50" dur="1000" fill="hold"/>
-                                        <p:tgtEl>
-                                          <p:spTgt spid="12"/>
-                                        </p:tgtEl>
-                                        <p:attrNameLst>
-                                          <p:attrName>ppt_y</p:attrName>
-                                        </p:attrNameLst>
-                                      </p:cBhvr>
-                                      <p:tavLst>
-                                        <p:tav tm="0">
-                                          <p:val>
-                                            <p:strVal val="#ppt_y"/>
-                                          </p:val>
-                                        </p:tav>
-                                        <p:tav tm="100000">
-                                          <p:val>
-                                            <p:strVal val="#ppt_y"/>
-                                          </p:val>
-                                        </p:tav>
-                                      </p:tavLst>
-                                    </p:anim>
-                                  </p:childTnLst>
-                                </p:cTn>
-                              </p:par>
-                            </p:childTnLst>
-                          </p:cTn>
-                        </p:par>
-                        <p:par>
-                          <p:cTn id="51" fill="hold">
-                            <p:stCondLst>
-                              <p:cond delay="6250"/>
-                            </p:stCondLst>
-                            <p:childTnLst>
-                              <p:par>
-                                <p:cTn id="52" presetID="1" presetClass="exit" presetSubtype="0" fill="hold" grpId="1" nodeType="afterEffect">
-                                  <p:stCondLst>
-                                    <p:cond delay="0"/>
-                                  </p:stCondLst>
-                                  <p:childTnLst>
-                                    <p:set>
-                                      <p:cBhvr>
-                                        <p:cTn id="53" dur="1" fill="hold">
-                                          <p:stCondLst>
-                                            <p:cond delay="0"/>
-                                          </p:stCondLst>
-                                        </p:cTn>
-                                        <p:tgtEl>
-                                          <p:spTgt spid="13"/>
-                                        </p:tgtEl>
-                                        <p:attrNameLst>
-                                          <p:attrName>style.visibility</p:attrName>
-                                        </p:attrNameLst>
-                                      </p:cBhvr>
-                                      <p:to>
-                                        <p:strVal val="hidden"/>
-                                      </p:to>
-                                    </p:set>
                                   </p:childTnLst>
                                 </p:cTn>
                               </p:par>
@@ -24272,16 +23352,10 @@
       </p:par>
     </p:tnLst>
     <p:bldLst>
+      <p:bldP spid="17" grpId="0" animBg="1"/>
+      <p:bldP spid="16" grpId="0" animBg="1"/>
       <p:bldP spid="3" grpId="0" animBg="1"/>
-      <p:bldP spid="4" grpId="0" animBg="1"/>
-      <p:bldP spid="5" grpId="0" animBg="1"/>
-      <p:bldP spid="6" grpId="0" animBg="1"/>
-      <p:bldP spid="7" grpId="0" animBg="1"/>
       <p:bldP spid="8" grpId="0"/>
-      <p:bldP spid="9" grpId="0"/>
-      <p:bldP spid="10" grpId="0"/>
-      <p:bldP spid="11" grpId="0"/>
-      <p:bldP spid="12" grpId="0"/>
       <p:bldP spid="13" grpId="0" animBg="1"/>
       <p:bldP spid="13" grpId="1" animBg="1"/>
     </p:bldLst>
@@ -31107,13 +30181,6 @@
               </a:rPr>
               <a:t>Beer</a:t>
             </a:r>
-            <a:endParaRPr lang="en-US" sz="4800" dirty="0" smtClean="0">
-              <a:solidFill>
-                <a:schemeClr val="tx1">
-                  <a:alpha val="99000"/>
-                </a:schemeClr>
-              </a:solidFill>
-            </a:endParaRPr>
           </a:p>
         </p:txBody>
       </p:sp>
@@ -31300,13 +30367,6 @@
               </a:rPr>
               <a:t>Donuts</a:t>
             </a:r>
-            <a:endParaRPr lang="en-US" sz="4800" dirty="0" smtClean="0">
-              <a:solidFill>
-                <a:schemeClr val="tx1">
-                  <a:alpha val="99000"/>
-                </a:schemeClr>
-              </a:solidFill>
-            </a:endParaRPr>
           </a:p>
         </p:txBody>
       </p:sp>
@@ -31493,13 +30553,6 @@
               </a:rPr>
               <a:t>Coffee</a:t>
             </a:r>
-            <a:endParaRPr lang="en-US" sz="4800" dirty="0" smtClean="0">
-              <a:solidFill>
-                <a:schemeClr val="tx1">
-                  <a:alpha val="99000"/>
-                </a:schemeClr>
-              </a:solidFill>
-            </a:endParaRPr>
           </a:p>
         </p:txBody>
       </p:sp>
@@ -31645,13 +30698,6 @@
               </a:rPr>
               <a:t>C#</a:t>
             </a:r>
-            <a:endParaRPr lang="en-US" sz="4800" dirty="0" smtClean="0">
-              <a:solidFill>
-                <a:schemeClr val="tx1">
-                  <a:alpha val="99000"/>
-                </a:schemeClr>
-              </a:solidFill>
-            </a:endParaRPr>
           </a:p>
         </p:txBody>
       </p:sp>
@@ -32024,13 +31070,6 @@
               </a:rPr>
               <a:t>JavaScript</a:t>
             </a:r>
-            <a:endParaRPr lang="en-US" sz="4800" dirty="0" smtClean="0">
-              <a:solidFill>
-                <a:schemeClr val="tx1">
-                  <a:alpha val="99000"/>
-                </a:schemeClr>
-              </a:solidFill>
-            </a:endParaRPr>
           </a:p>
         </p:txBody>
       </p:sp>
@@ -33420,12 +32459,70 @@
 </file>
 
 <file path=customXml/item1.xml><?xml version="1.0" encoding="utf-8"?>
-<?mso-contentType ?>
-<FormTemplates xmlns="http://schemas.microsoft.com/sharepoint/v3/contenttype/forms">
-  <Display>DocumentLibraryForm</Display>
-  <Edit>DocumentLibraryForm</Edit>
-  <New>DocumentLibraryForm</New>
-</FormTemplates>
+<p:properties xmlns:p="http://schemas.microsoft.com/office/2006/metadata/properties" xmlns:xsi="http://www.w3.org/2001/XMLSchema-instance" xmlns:pc="http://schemas.microsoft.com/office/infopath/2007/PartnerControls">
+  <documentManagement>
+    <TrackTaxHTField0 xmlns="2295e2e7-0eeb-498e-8716-217bb2ee6ee3">
+      <Terms xmlns="http://schemas.microsoft.com/office/infopath/2007/PartnerControls"/>
+    </TrackTaxHTField0>
+    <CampaignTaxHTField0 xmlns="2295e2e7-0eeb-498e-8716-217bb2ee6ee3">
+      <Terms xmlns="http://schemas.microsoft.com/office/infopath/2007/PartnerControls"/>
+    </CampaignTaxHTField0>
+    <Event_x0020_End_x0020_Date xmlns="2295e2e7-0eeb-498e-8716-217bb2ee6ee3">2012-06-29T17:00:00+10:00</Event_x0020_End_x0020_Date>
+    <Event_x0020_Start_x0020_Date xmlns="2295e2e7-0eeb-498e-8716-217bb2ee6ee3">2012-06-26T17:00:00+10:00</Event_x0020_Start_x0020_Date>
+    <MS_x0020_Speaker xmlns="2295e2e7-0eeb-498e-8716-217bb2ee6ee3">
+      <UserInfo>
+        <DisplayName/>
+        <AccountId xsi:nil="true"/>
+        <AccountType/>
+      </UserInfo>
+    </MS_x0020_Speaker>
+    <External_x0020_Speaker xmlns="2295e2e7-0eeb-498e-8716-217bb2ee6ee3" xsi:nil="true"/>
+    <Session_x0020_Code xmlns="2295e2e7-0eeb-498e-8716-217bb2ee6ee3" xsi:nil="true"/>
+    <ProductTaxHTField0 xmlns="2295e2e7-0eeb-498e-8716-217bb2ee6ee3">
+      <Terms xmlns="http://schemas.microsoft.com/office/infopath/2007/PartnerControls"/>
+    </ProductTaxHTField0>
+    <Presentation_x0020_Date xmlns="2295e2e7-0eeb-498e-8716-217bb2ee6ee3" xsi:nil="true"/>
+    <Event_x0020_LocationTaxHTField0 xmlns="2295e2e7-0eeb-498e-8716-217bb2ee6ee3">
+      <Terms xmlns="http://schemas.microsoft.com/office/infopath/2007/PartnerControls">
+        <TermInfo xmlns="http://schemas.microsoft.com/office/infopath/2007/PartnerControls">
+          <TermName xmlns="http://schemas.microsoft.com/office/infopath/2007/PartnerControls">Orlando</TermName>
+          <TermId xmlns="http://schemas.microsoft.com/office/infopath/2007/PartnerControls">99ded043-d247-43a1-9b7a-028ecd66d1eb</TermId>
+        </TermInfo>
+      </Terms>
+    </Event_x0020_LocationTaxHTField0>
+    <Event1TaxHTField0 xmlns="2295e2e7-0eeb-498e-8716-217bb2ee6ee3">
+      <Terms xmlns="http://schemas.microsoft.com/office/infopath/2007/PartnerControls">
+        <TermInfo xmlns="http://schemas.microsoft.com/office/infopath/2007/PartnerControls">
+          <TermName xmlns="http://schemas.microsoft.com/office/infopath/2007/PartnerControls">TechEd</TermName>
+          <TermId xmlns="http://schemas.microsoft.com/office/infopath/2007/PartnerControls">ac8fad57-eb30-43a8-b5bd-05dcf2cf2246</TermId>
+        </TermInfo>
+      </Terms>
+    </Event1TaxHTField0>
+    <AudienceTaxHTField0 xmlns="8b529f77-48ab-4581-b468-93f09345b8aa">
+      <Terms xmlns="http://schemas.microsoft.com/office/infopath/2007/PartnerControls"/>
+    </AudienceTaxHTField0>
+    <MS_x0020_Content_x0020_Owner xmlns="2295e2e7-0eeb-498e-8716-217bb2ee6ee3">
+      <UserInfo>
+        <DisplayName/>
+        <AccountId xsi:nil="true"/>
+        <AccountType/>
+      </UserInfo>
+    </MS_x0020_Content_x0020_Owner>
+    <TaxCatchAll xmlns="2295e2e7-0eeb-498e-8716-217bb2ee6ee3">
+      <Value>126</Value>
+      <Value>232</Value>
+      <Value>231</Value>
+    </TaxCatchAll>
+    <Event_x0020_VenueTaxHTField0 xmlns="2295e2e7-0eeb-498e-8716-217bb2ee6ee3">
+      <Terms xmlns="http://schemas.microsoft.com/office/infopath/2007/PartnerControls">
+        <TermInfo xmlns="http://schemas.microsoft.com/office/infopath/2007/PartnerControls">
+          <TermName xmlns="http://schemas.microsoft.com/office/infopath/2007/PartnerControls">Orange County Convention Center Orlando, FL</TermName>
+          <TermId xmlns="http://schemas.microsoft.com/office/infopath/2007/PartnerControls">bd993e89-aa48-4695-84e0-3b53e88b1a79</TermId>
+        </TermInfo>
+      </Terms>
+    </Event_x0020_VenueTaxHTField0>
+  </documentManagement>
+</p:properties>
 </file>
 
 <file path=customXml/item2.xml><?xml version="1.0" encoding="utf-8"?>
@@ -33708,76 +32805,27 @@
 </file>
 
 <file path=customXml/item3.xml><?xml version="1.0" encoding="utf-8"?>
-<p:properties xmlns:p="http://schemas.microsoft.com/office/2006/metadata/properties" xmlns:xsi="http://www.w3.org/2001/XMLSchema-instance" xmlns:pc="http://schemas.microsoft.com/office/infopath/2007/PartnerControls">
-  <documentManagement>
-    <TrackTaxHTField0 xmlns="2295e2e7-0eeb-498e-8716-217bb2ee6ee3">
-      <Terms xmlns="http://schemas.microsoft.com/office/infopath/2007/PartnerControls"/>
-    </TrackTaxHTField0>
-    <CampaignTaxHTField0 xmlns="2295e2e7-0eeb-498e-8716-217bb2ee6ee3">
-      <Terms xmlns="http://schemas.microsoft.com/office/infopath/2007/PartnerControls"/>
-    </CampaignTaxHTField0>
-    <Event_x0020_End_x0020_Date xmlns="2295e2e7-0eeb-498e-8716-217bb2ee6ee3">2012-06-29T17:00:00+10:00</Event_x0020_End_x0020_Date>
-    <Event_x0020_Start_x0020_Date xmlns="2295e2e7-0eeb-498e-8716-217bb2ee6ee3">2012-06-26T17:00:00+10:00</Event_x0020_Start_x0020_Date>
-    <MS_x0020_Speaker xmlns="2295e2e7-0eeb-498e-8716-217bb2ee6ee3">
-      <UserInfo>
-        <DisplayName/>
-        <AccountId xsi:nil="true"/>
-        <AccountType/>
-      </UserInfo>
-    </MS_x0020_Speaker>
-    <External_x0020_Speaker xmlns="2295e2e7-0eeb-498e-8716-217bb2ee6ee3" xsi:nil="true"/>
-    <Session_x0020_Code xmlns="2295e2e7-0eeb-498e-8716-217bb2ee6ee3" xsi:nil="true"/>
-    <ProductTaxHTField0 xmlns="2295e2e7-0eeb-498e-8716-217bb2ee6ee3">
-      <Terms xmlns="http://schemas.microsoft.com/office/infopath/2007/PartnerControls"/>
-    </ProductTaxHTField0>
-    <Presentation_x0020_Date xmlns="2295e2e7-0eeb-498e-8716-217bb2ee6ee3" xsi:nil="true"/>
-    <Event_x0020_LocationTaxHTField0 xmlns="2295e2e7-0eeb-498e-8716-217bb2ee6ee3">
-      <Terms xmlns="http://schemas.microsoft.com/office/infopath/2007/PartnerControls">
-        <TermInfo xmlns="http://schemas.microsoft.com/office/infopath/2007/PartnerControls">
-          <TermName xmlns="http://schemas.microsoft.com/office/infopath/2007/PartnerControls">Orlando</TermName>
-          <TermId xmlns="http://schemas.microsoft.com/office/infopath/2007/PartnerControls">99ded043-d247-43a1-9b7a-028ecd66d1eb</TermId>
-        </TermInfo>
-      </Terms>
-    </Event_x0020_LocationTaxHTField0>
-    <Event1TaxHTField0 xmlns="2295e2e7-0eeb-498e-8716-217bb2ee6ee3">
-      <Terms xmlns="http://schemas.microsoft.com/office/infopath/2007/PartnerControls">
-        <TermInfo xmlns="http://schemas.microsoft.com/office/infopath/2007/PartnerControls">
-          <TermName xmlns="http://schemas.microsoft.com/office/infopath/2007/PartnerControls">TechEd</TermName>
-          <TermId xmlns="http://schemas.microsoft.com/office/infopath/2007/PartnerControls">ac8fad57-eb30-43a8-b5bd-05dcf2cf2246</TermId>
-        </TermInfo>
-      </Terms>
-    </Event1TaxHTField0>
-    <AudienceTaxHTField0 xmlns="8b529f77-48ab-4581-b468-93f09345b8aa">
-      <Terms xmlns="http://schemas.microsoft.com/office/infopath/2007/PartnerControls"/>
-    </AudienceTaxHTField0>
-    <MS_x0020_Content_x0020_Owner xmlns="2295e2e7-0eeb-498e-8716-217bb2ee6ee3">
-      <UserInfo>
-        <DisplayName/>
-        <AccountId xsi:nil="true"/>
-        <AccountType/>
-      </UserInfo>
-    </MS_x0020_Content_x0020_Owner>
-    <TaxCatchAll xmlns="2295e2e7-0eeb-498e-8716-217bb2ee6ee3">
-      <Value>126</Value>
-      <Value>232</Value>
-      <Value>231</Value>
-    </TaxCatchAll>
-    <Event_x0020_VenueTaxHTField0 xmlns="2295e2e7-0eeb-498e-8716-217bb2ee6ee3">
-      <Terms xmlns="http://schemas.microsoft.com/office/infopath/2007/PartnerControls">
-        <TermInfo xmlns="http://schemas.microsoft.com/office/infopath/2007/PartnerControls">
-          <TermName xmlns="http://schemas.microsoft.com/office/infopath/2007/PartnerControls">Orange County Convention Center Orlando, FL</TermName>
-          <TermId xmlns="http://schemas.microsoft.com/office/infopath/2007/PartnerControls">bd993e89-aa48-4695-84e0-3b53e88b1a79</TermId>
-        </TermInfo>
-      </Terms>
-    </Event_x0020_VenueTaxHTField0>
-  </documentManagement>
-</p:properties>
+<?mso-contentType ?>
+<FormTemplates xmlns="http://schemas.microsoft.com/sharepoint/v3/contenttype/forms">
+  <Display>DocumentLibraryForm</Display>
+  <Edit>DocumentLibraryForm</Edit>
+  <New>DocumentLibraryForm</New>
+</FormTemplates>
 </file>
 
 <file path=customXml/itemProps1.xml><?xml version="1.0" encoding="utf-8"?>
-<ds:datastoreItem xmlns:ds="http://schemas.openxmlformats.org/officeDocument/2006/customXml" ds:itemID="{EF1FE425-EA36-4D8C-A967-84CE3BED24D2}">
+<ds:datastoreItem xmlns:ds="http://schemas.openxmlformats.org/officeDocument/2006/customXml" ds:itemID="{76D92E10-3D8B-4831-9584-7BC82972C8E2}">
   <ds:schemaRefs>
-    <ds:schemaRef ds:uri="http://schemas.microsoft.com/sharepoint/v3/contenttype/forms"/>
+    <ds:schemaRef ds:uri="http://schemas.microsoft.com/office/2006/documentManagement/types"/>
+    <ds:schemaRef ds:uri="http://purl.org/dc/terms/"/>
+    <ds:schemaRef ds:uri="http://schemas.microsoft.com/office/2006/metadata/properties"/>
+    <ds:schemaRef ds:uri="http://schemas.openxmlformats.org/package/2006/metadata/core-properties"/>
+    <ds:schemaRef ds:uri="http://www.w3.org/XML/1998/namespace"/>
+    <ds:schemaRef ds:uri="http://schemas.microsoft.com/office/infopath/2007/PartnerControls"/>
+    <ds:schemaRef ds:uri="http://purl.org/dc/elements/1.1/"/>
+    <ds:schemaRef ds:uri="8b529f77-48ab-4581-b468-93f09345b8aa"/>
+    <ds:schemaRef ds:uri="2295e2e7-0eeb-498e-8716-217bb2ee6ee3"/>
+    <ds:schemaRef ds:uri="http://purl.org/dc/dcmitype/"/>
   </ds:schemaRefs>
 </ds:datastoreItem>
 </file>
@@ -33802,18 +32850,9 @@
 </file>
 
 <file path=customXml/itemProps3.xml><?xml version="1.0" encoding="utf-8"?>
-<ds:datastoreItem xmlns:ds="http://schemas.openxmlformats.org/officeDocument/2006/customXml" ds:itemID="{76D92E10-3D8B-4831-9584-7BC82972C8E2}">
+<ds:datastoreItem xmlns:ds="http://schemas.openxmlformats.org/officeDocument/2006/customXml" ds:itemID="{EF1FE425-EA36-4D8C-A967-84CE3BED24D2}">
   <ds:schemaRefs>
-    <ds:schemaRef ds:uri="http://schemas.microsoft.com/office/2006/documentManagement/types"/>
-    <ds:schemaRef ds:uri="http://purl.org/dc/terms/"/>
-    <ds:schemaRef ds:uri="http://schemas.microsoft.com/office/2006/metadata/properties"/>
-    <ds:schemaRef ds:uri="http://schemas.openxmlformats.org/package/2006/metadata/core-properties"/>
-    <ds:schemaRef ds:uri="http://www.w3.org/XML/1998/namespace"/>
-    <ds:schemaRef ds:uri="http://schemas.microsoft.com/office/infopath/2007/PartnerControls"/>
-    <ds:schemaRef ds:uri="http://purl.org/dc/elements/1.1/"/>
-    <ds:schemaRef ds:uri="8b529f77-48ab-4581-b468-93f09345b8aa"/>
-    <ds:schemaRef ds:uri="2295e2e7-0eeb-498e-8716-217bb2ee6ee3"/>
-    <ds:schemaRef ds:uri="http://purl.org/dc/dcmitype/"/>
+    <ds:schemaRef ds:uri="http://schemas.microsoft.com/sharepoint/v3/contenttype/forms"/>
   </ds:schemaRefs>
 </ds:datastoreItem>
 </file>